--- a/Machine Learning - Concrete Strength.pptx
+++ b/Machine Learning - Concrete Strength.pptx
@@ -12,8 +12,8 @@
     <p:sldId id="256" r:id="rId3"/>
     <p:sldId id="257" r:id="rId4"/>
     <p:sldId id="258" r:id="rId5"/>
-    <p:sldId id="259" r:id="rId6"/>
-    <p:sldId id="260" r:id="rId7"/>
+    <p:sldId id="260" r:id="rId6"/>
+    <p:sldId id="259" r:id="rId7"/>
     <p:sldId id="261" r:id="rId8"/>
     <p:sldId id="262" r:id="rId9"/>
   </p:sldIdLst>
@@ -722,6 +722,90 @@
 </file>
 
 <file path=ppt/notesSlides/notesSlide3.xml><?xml version="1.0" encoding="utf-8"?>
+<p:notes xmlns:a="http://schemas.openxmlformats.org/drawingml/2006/main" xmlns:r="http://schemas.openxmlformats.org/officeDocument/2006/relationships" xmlns:p="http://schemas.openxmlformats.org/presentationml/2006/main">
+  <p:cSld>
+    <p:spTree>
+      <p:nvGrpSpPr>
+        <p:cNvPr id="1" name=""/>
+        <p:cNvGrpSpPr/>
+        <p:nvPr/>
+      </p:nvGrpSpPr>
+      <p:grpSpPr>
+        <a:xfrm>
+          <a:off x="0" y="0"/>
+          <a:ext cx="0" cy="0"/>
+          <a:chOff x="0" y="0"/>
+          <a:chExt cx="0" cy="0"/>
+        </a:xfrm>
+      </p:grpSpPr>
+      <p:sp>
+        <p:nvSpPr>
+          <p:cNvPr id="2" name="Slide Image Placeholder 1"/>
+          <p:cNvSpPr>
+            <a:spLocks noGrp="1" noRot="1" noChangeAspect="1"/>
+          </p:cNvSpPr>
+          <p:nvPr>
+            <p:ph type="sldImg"/>
+          </p:nvPr>
+        </p:nvSpPr>
+        <p:spPr/>
+      </p:sp>
+      <p:sp>
+        <p:nvSpPr>
+          <p:cNvPr id="3" name="Notes Placeholder 2"/>
+          <p:cNvSpPr>
+            <a:spLocks noGrp="1"/>
+          </p:cNvSpPr>
+          <p:nvPr>
+            <p:ph type="body" idx="1"/>
+          </p:nvPr>
+        </p:nvSpPr>
+        <p:spPr/>
+        <p:txBody>
+          <a:bodyPr/>
+          <a:lstStyle/>
+          <a:p>
+            <a:endParaRPr lang="en-CA" dirty="0"/>
+          </a:p>
+        </p:txBody>
+      </p:sp>
+      <p:sp>
+        <p:nvSpPr>
+          <p:cNvPr id="4" name="Slide Number Placeholder 3"/>
+          <p:cNvSpPr>
+            <a:spLocks noGrp="1"/>
+          </p:cNvSpPr>
+          <p:nvPr>
+            <p:ph type="sldNum" sz="quarter" idx="5"/>
+          </p:nvPr>
+        </p:nvSpPr>
+        <p:spPr/>
+        <p:txBody>
+          <a:bodyPr/>
+          <a:lstStyle/>
+          <a:p>
+            <a:fld id="{6F4B0D9C-501C-455D-8064-E5B4B3C06A3E}" type="slidenum">
+              <a:rPr lang="en-CA" smtClean="0"/>
+              <a:t>5</a:t>
+            </a:fld>
+            <a:endParaRPr lang="en-CA"/>
+          </a:p>
+        </p:txBody>
+      </p:sp>
+    </p:spTree>
+    <p:extLst>
+      <p:ext uri="{BB962C8B-B14F-4D97-AF65-F5344CB8AC3E}">
+        <p14:creationId xmlns:p14="http://schemas.microsoft.com/office/powerpoint/2010/main" val="1065669597"/>
+      </p:ext>
+    </p:extLst>
+  </p:cSld>
+  <p:clrMapOvr>
+    <a:masterClrMapping/>
+  </p:clrMapOvr>
+</p:notes>
+</file>
+
+<file path=ppt/notesSlides/notesSlide4.xml><?xml version="1.0" encoding="utf-8"?>
 <p:notes xmlns:a="http://schemas.openxmlformats.org/drawingml/2006/main" xmlns:r="http://schemas.openxmlformats.org/officeDocument/2006/relationships" xmlns:p="http://schemas.openxmlformats.org/presentationml/2006/main">
   <p:cSld>
     <p:spTree>
@@ -10780,6 +10864,14 @@
 <file path=ppt/slides/slide4.xml><?xml version="1.0" encoding="utf-8"?>
 <p:sld xmlns:a="http://schemas.openxmlformats.org/drawingml/2006/main" xmlns:r="http://schemas.openxmlformats.org/officeDocument/2006/relationships" xmlns:p="http://schemas.openxmlformats.org/presentationml/2006/main">
   <p:cSld>
+    <p:bg>
+      <p:bgPr>
+        <a:solidFill>
+          <a:schemeClr val="bg1"/>
+        </a:solidFill>
+        <a:effectLst/>
+      </p:bgPr>
+    </p:bg>
     <p:spTree>
       <p:nvGrpSpPr>
         <p:cNvPr id="1" name=""/>
@@ -10810,18 +10902,13 @@
             <p:ph type="title"/>
           </p:nvPr>
         </p:nvSpPr>
-        <p:spPr>
-          <a:xfrm>
-            <a:off x="838200" y="365125"/>
-            <a:ext cx="10515600" cy="729029"/>
-          </a:xfrm>
-        </p:spPr>
-        <p:txBody>
-          <a:bodyPr/>
-          <a:lstStyle/>
-          <a:p>
-            <a:r>
-              <a:rPr lang="en-CA" b="1" dirty="0"/>
+        <p:spPr/>
+        <p:txBody>
+          <a:bodyPr/>
+          <a:lstStyle/>
+          <a:p>
+            <a:r>
+              <a:rPr lang="en-CA" dirty="0"/>
               <a:t>Linear Regression</a:t>
             </a:r>
           </a:p>
@@ -10829,10 +10916,10 @@
       </p:sp>
       <p:sp>
         <p:nvSpPr>
-          <p:cNvPr id="6" name="Content Placeholder 5">
+          <p:cNvPr id="19" name="Content Placeholder 18">
             <a:extLst>
               <a:ext uri="{FF2B5EF4-FFF2-40B4-BE49-F238E27FC236}">
-                <a16:creationId xmlns:a16="http://schemas.microsoft.com/office/drawing/2014/main" id="{D69A7CEA-B5B5-4824-A187-380DEA0C7BD8}"/>
+                <a16:creationId xmlns:a16="http://schemas.microsoft.com/office/drawing/2014/main" id="{C966961E-3CC3-4B9B-A825-F286DBFDF1B2}"/>
               </a:ext>
             </a:extLst>
           </p:cNvPr>
@@ -10843,12 +10930,7 @@
             <p:ph idx="1"/>
           </p:nvPr>
         </p:nvSpPr>
-        <p:spPr>
-          <a:xfrm>
-            <a:off x="838200" y="1094154"/>
-            <a:ext cx="10515600" cy="5082809"/>
-          </a:xfrm>
-        </p:spPr>
+        <p:spPr/>
         <p:txBody>
           <a:bodyPr/>
           <a:lstStyle/>
@@ -10860,7 +10942,7 @@
     </p:spTree>
     <p:extLst>
       <p:ext uri="{BB962C8B-B14F-4D97-AF65-F5344CB8AC3E}">
-        <p14:creationId xmlns:p14="http://schemas.microsoft.com/office/powerpoint/2010/main" val="3020751933"/>
+        <p14:creationId xmlns:p14="http://schemas.microsoft.com/office/powerpoint/2010/main" val="1099263833"/>
       </p:ext>
     </p:extLst>
   </p:cSld>
@@ -10915,7 +10997,7 @@
           <a:p>
             <a:r>
               <a:rPr lang="en-CA" b="1" dirty="0"/>
-              <a:t>K-Nearest Neighbors Regression</a:t>
+              <a:t>K Nearest Neighbors Regression</a:t>
             </a:r>
           </a:p>
         </p:txBody>
@@ -10938,22 +11020,133 @@
         </p:nvSpPr>
         <p:spPr>
           <a:xfrm>
-            <a:off x="838200" y="1094154"/>
-            <a:ext cx="10515600" cy="5082809"/>
+            <a:off x="838200" y="1308847"/>
+            <a:ext cx="2764692" cy="5230801"/>
           </a:xfrm>
+          <a:gradFill>
+            <a:gsLst>
+              <a:gs pos="0">
+                <a:schemeClr val="bg1">
+                  <a:tint val="90000"/>
+                  <a:lumMod val="110000"/>
+                </a:schemeClr>
+              </a:gs>
+              <a:gs pos="100000">
+                <a:schemeClr val="bg1">
+                  <a:shade val="64000"/>
+                  <a:lumMod val="88000"/>
+                </a:schemeClr>
+              </a:gs>
+            </a:gsLst>
+            <a:lin ang="5400000" scaled="0"/>
+          </a:gradFill>
         </p:spPr>
         <p:txBody>
           <a:bodyPr/>
           <a:lstStyle/>
           <a:p>
+            <a:pPr marL="0" indent="0">
+              <a:buNone/>
+            </a:pPr>
+            <a:r>
+              <a:rPr lang="en-CA" dirty="0"/>
+              <a:t>Model Parameters</a:t>
+            </a:r>
+          </a:p>
+          <a:p>
+            <a:pPr marL="285750" indent="-285750"/>
+            <a:r>
+              <a:rPr lang="en-CA" sz="1600" dirty="0"/>
+              <a:t>number of neighbors: 7</a:t>
+            </a:r>
+          </a:p>
+          <a:p>
+            <a:pPr marL="285750" indent="-285750"/>
+            <a:r>
+              <a:rPr lang="en-CA" sz="1600" dirty="0"/>
+              <a:t>weights: distance</a:t>
+            </a:r>
+          </a:p>
+          <a:p>
+            <a:pPr marL="285750" indent="-285750"/>
+            <a:endParaRPr lang="en-CA" sz="1600" dirty="0"/>
+          </a:p>
+          <a:p>
+            <a:pPr marL="0" indent="0">
+              <a:buNone/>
+            </a:pPr>
+            <a:r>
+              <a:rPr lang="en-CA" dirty="0"/>
+              <a:t>Prediction Errors:</a:t>
+            </a:r>
+          </a:p>
+          <a:p>
+            <a:pPr marL="285750" indent="-285750"/>
+            <a:r>
+              <a:rPr lang="en-CA" sz="1600" dirty="0" err="1"/>
+              <a:t>rmse</a:t>
+            </a:r>
+            <a:r>
+              <a:rPr lang="en-CA" sz="1600" dirty="0"/>
+              <a:t>: 9.155</a:t>
+            </a:r>
+          </a:p>
+          <a:p>
+            <a:pPr marL="285750" indent="-285750"/>
+            <a:r>
+              <a:rPr lang="en-CA" sz="1600" dirty="0" err="1"/>
+              <a:t>mae</a:t>
+            </a:r>
+            <a:r>
+              <a:rPr lang="en-CA" sz="1600" dirty="0"/>
+              <a:t>: 6.542</a:t>
+            </a:r>
+          </a:p>
+          <a:p>
             <a:endParaRPr lang="en-CA" dirty="0"/>
           </a:p>
         </p:txBody>
       </p:sp>
+      <p:pic>
+        <p:nvPicPr>
+          <p:cNvPr id="4" name="Content Placeholder 8">
+            <a:extLst>
+              <a:ext uri="{FF2B5EF4-FFF2-40B4-BE49-F238E27FC236}">
+                <a16:creationId xmlns:a16="http://schemas.microsoft.com/office/drawing/2014/main" id="{66BDE86E-924F-4B47-8FCC-AC692FBF7026}"/>
+              </a:ext>
+            </a:extLst>
+          </p:cNvPr>
+          <p:cNvPicPr>
+            <a:picLocks noChangeAspect="1"/>
+          </p:cNvPicPr>
+          <p:nvPr/>
+        </p:nvPicPr>
+        <p:blipFill>
+          <a:blip r:embed="rId3">
+            <a:extLst>
+              <a:ext uri="{28A0092B-C50C-407E-A947-70E740481C1C}">
+                <a14:useLocalDpi xmlns:a14="http://schemas.microsoft.com/office/drawing/2010/main" val="0"/>
+              </a:ext>
+            </a:extLst>
+          </a:blip>
+          <a:stretch>
+            <a:fillRect/>
+          </a:stretch>
+        </p:blipFill>
+        <p:spPr>
+          <a:xfrm>
+            <a:off x="4503623" y="1094154"/>
+            <a:ext cx="6850177" cy="3357509"/>
+          </a:xfrm>
+          <a:prstGeom prst="rect">
+            <a:avLst/>
+          </a:prstGeom>
+        </p:spPr>
+      </p:pic>
     </p:spTree>
     <p:extLst>
       <p:ext uri="{BB962C8B-B14F-4D97-AF65-F5344CB8AC3E}">
-        <p14:creationId xmlns:p14="http://schemas.microsoft.com/office/powerpoint/2010/main" val="1099263833"/>
+        <p14:creationId xmlns:p14="http://schemas.microsoft.com/office/powerpoint/2010/main" val="3020751933"/>
       </p:ext>
     </p:extLst>
   </p:cSld>
